--- a/regression project.pptx
+++ b/regression project.pptx
@@ -115,6 +115,11 @@
       </a:defRPr>
     </a:lvl9pPr>
   </p:defaultTextStyle>
+  <p:extLst>
+    <p:ext uri="{EFAFB233-063F-42B5-8137-9DF3F51BA10A}">
+      <p15:sldGuideLst xmlns:p15="http://schemas.microsoft.com/office/powerpoint/2012/main"/>
+    </p:ext>
+  </p:extLst>
 </p:presentation>
 </file>
 
@@ -3455,18 +3460,9 @@
           <a:lstStyle/>
           <a:p>
             <a:r>
-              <a:rPr lang="he-IL" dirty="0"/>
-              <a:t>החלטנו לחלק את המודל לשתיים וראינו שעבור מחירים שונים </a:t>
-            </a:r>
-            <a:r>
-              <a:rPr lang="he-IL" dirty="0" err="1"/>
-              <a:t>הפיצרים</a:t>
-            </a:r>
-            <a:r>
-              <a:rPr lang="he-IL" dirty="0"/>
-              <a:t> המכרי</a:t>
-            </a:r>
-            <a:endParaRPr lang="en-IL" dirty="0"/>
+              <a:rPr lang="en-IL" dirty="0"/>
+              <a:t>Split</a:t>
+            </a:r>
           </a:p>
         </p:txBody>
       </p:sp>
@@ -3490,6 +3486,38 @@
         <p:txBody>
           <a:bodyPr/>
           <a:lstStyle/>
+          <a:p>
+            <a:r>
+              <a:rPr lang="en-US" dirty="0"/>
+              <a:t>So, we split the dataset to :</a:t>
+            </a:r>
+          </a:p>
+          <a:p>
+            <a:pPr lvl="1"/>
+            <a:r>
+              <a:rPr lang="en-US" dirty="0"/>
+              <a:t>Over 1500 EUR price</a:t>
+            </a:r>
+          </a:p>
+          <a:p>
+            <a:pPr lvl="1"/>
+            <a:r>
+              <a:rPr lang="en-US" dirty="0"/>
+              <a:t>Under 1500 EUR price</a:t>
+            </a:r>
+          </a:p>
+          <a:p>
+            <a:r>
+              <a:rPr lang="en-US" dirty="0"/>
+              <a:t>The feature importance support that decision</a:t>
+            </a:r>
+          </a:p>
+          <a:p>
+            <a:endParaRPr lang="en-US" dirty="0"/>
+          </a:p>
+          <a:p>
+            <a:endParaRPr lang="en-US" dirty="0"/>
+          </a:p>
           <a:p>
             <a:r>
               <a:rPr lang="he-IL" dirty="0"/>
@@ -3567,8 +3595,8 @@
           <a:lstStyle/>
           <a:p>
             <a:r>
-              <a:rPr lang="he-IL" dirty="0"/>
-              <a:t>טבלה סופית של כל המודלים כולל הדיוק</a:t>
+              <a:rPr lang="en-US" dirty="0"/>
+              <a:t>Models run results</a:t>
             </a:r>
             <a:endParaRPr lang="en-IL" dirty="0"/>
           </a:p>
@@ -3651,8 +3679,8 @@
           <a:lstStyle/>
           <a:p>
             <a:r>
-              <a:rPr lang="he-IL" dirty="0"/>
-              <a:t>מסקנות ומה עוד היינו ממשיכים</a:t>
+              <a:rPr lang="en-US" dirty="0"/>
+              <a:t>Summary of done and future</a:t>
             </a:r>
             <a:endParaRPr lang="en-IL" dirty="0"/>
           </a:p>
@@ -3676,114 +3704,55 @@
         </p:nvSpPr>
         <p:spPr/>
         <p:txBody>
-          <a:bodyPr/>
-          <a:lstStyle/>
-          <a:p>
-            <a:r>
-              <a:rPr lang="he-IL" dirty="0"/>
-              <a:t>שינוי משתנים לסוג קטגוריאלי לא משנה את התוצאה</a:t>
-            </a:r>
-          </a:p>
-          <a:p>
-            <a:r>
-              <a:rPr lang="he-IL" dirty="0"/>
-              <a:t>גם בחלוקה של שני המודלים החיזוי של מעל 3000 לא היה נכון</a:t>
-            </a:r>
-          </a:p>
-          <a:p>
-            <a:r>
-              <a:rPr lang="he-IL" dirty="0"/>
-              <a:t>שינוי בין המודלים חוץ </a:t>
-            </a:r>
-            <a:r>
-              <a:rPr lang="he-IL" dirty="0" err="1"/>
-              <a:t>מרנדום</a:t>
-            </a:r>
-            <a:r>
-              <a:rPr lang="he-IL" dirty="0"/>
-              <a:t> </a:t>
-            </a:r>
-            <a:r>
-              <a:rPr lang="he-IL" dirty="0" err="1"/>
-              <a:t>פרוסט</a:t>
-            </a:r>
-            <a:r>
-              <a:rPr lang="he-IL" dirty="0"/>
-              <a:t> לא שיפר מאוד את דיוק המודל</a:t>
-            </a:r>
+          <a:bodyPr>
+            <a:normAutofit/>
+          </a:bodyPr>
+          <a:lstStyle/>
+          <a:p>
+            <a:r>
+              <a:rPr lang="en-US" dirty="0"/>
+              <a:t>Having Categorical dataset did not affect the result</a:t>
+            </a:r>
+          </a:p>
+          <a:p>
+            <a:r>
+              <a:rPr lang="en-US" dirty="0"/>
+              <a:t>Even after the dataset split, over 3K prediction was hard to the model</a:t>
+            </a:r>
+          </a:p>
+          <a:p>
+            <a:r>
+              <a:rPr lang="en-US" dirty="0"/>
+              <a:t>To set Random Forest model hyper-parameters, we used grid search</a:t>
+            </a:r>
+          </a:p>
+          <a:p>
+            <a:r>
+              <a:rPr lang="en-US" dirty="0"/>
+              <a:t>Use of models we didn’t learn in class</a:t>
+            </a:r>
+          </a:p>
+          <a:p>
             <a:endParaRPr lang="en-US" dirty="0"/>
           </a:p>
           <a:p>
-            <a:pPr marL="0" indent="0">
-              <a:buNone/>
-            </a:pPr>
-            <a:r>
-              <a:rPr lang="he-IL" dirty="0"/>
-              <a:t>כיווננו את מודל </a:t>
-            </a:r>
-            <a:r>
-              <a:rPr lang="he-IL" dirty="0" err="1"/>
-              <a:t>הרנדום</a:t>
-            </a:r>
-            <a:r>
-              <a:rPr lang="he-IL" dirty="0"/>
-              <a:t> </a:t>
-            </a:r>
-            <a:r>
-              <a:rPr lang="he-IL" dirty="0" err="1"/>
-              <a:t>פורסט</a:t>
-            </a:r>
-            <a:r>
-              <a:rPr lang="he-IL" dirty="0"/>
-              <a:t> ע"י גריד </a:t>
-            </a:r>
-            <a:r>
-              <a:rPr lang="he-IL" dirty="0" err="1"/>
-              <a:t>סרצ</a:t>
+            <a:r>
+              <a:rPr lang="en-US" b="1" dirty="0"/>
+              <a:t>Future – To Do list</a:t>
+            </a:r>
+          </a:p>
+          <a:p>
+            <a:r>
+              <a:rPr lang="en-US" dirty="0"/>
+              <a:t>Permutation – check the effect of using it</a:t>
+            </a:r>
+          </a:p>
+          <a:p>
+            <a:r>
+              <a:rPr lang="en-US" dirty="0"/>
+              <a:t>Remove features with high correlation</a:t>
             </a:r>
             <a:endParaRPr lang="he-IL" dirty="0"/>
-          </a:p>
-          <a:p>
-            <a:r>
-              <a:rPr lang="he-IL" dirty="0"/>
-              <a:t>מה לא הספקנו: </a:t>
-            </a:r>
-          </a:p>
-          <a:p>
-            <a:r>
-              <a:rPr lang="he-IL" dirty="0"/>
-              <a:t>לבדוק הורדת </a:t>
-            </a:r>
-            <a:r>
-              <a:rPr lang="he-IL" dirty="0" err="1"/>
-              <a:t>פיצרים</a:t>
-            </a:r>
-            <a:r>
-              <a:rPr lang="he-IL" dirty="0"/>
-              <a:t> לכל מודל ע"י </a:t>
-            </a:r>
-            <a:r>
-              <a:rPr lang="he-IL" dirty="0" err="1"/>
-              <a:t>פרמוטייטין</a:t>
-            </a:r>
-            <a:endParaRPr lang="he-IL" dirty="0"/>
-          </a:p>
-          <a:p>
-            <a:r>
-              <a:rPr lang="he-IL" dirty="0"/>
-              <a:t>הרצת מודלים שלא למדנו בקורס</a:t>
-            </a:r>
-          </a:p>
-          <a:p>
-            <a:r>
-              <a:rPr lang="he-IL" dirty="0"/>
-              <a:t>להוריד משתנים עם קורלציה גבוהה </a:t>
-            </a:r>
-            <a:r>
-              <a:rPr lang="he-IL" dirty="0" err="1"/>
-              <a:t>בינהם</a:t>
-            </a:r>
-            <a:endParaRPr lang="en-IL" dirty="0"/>
           </a:p>
         </p:txBody>
       </p:sp>
@@ -3838,6 +3807,7 @@
           <a:bodyPr/>
           <a:lstStyle/>
           <a:p>
+            <a:pPr algn="ctr"/>
             <a:r>
               <a:rPr lang="en-GB" dirty="0"/>
               <a:t>Laptop price prediction</a:t>
@@ -3875,10 +3845,10 @@
           <a:lstStyle/>
           <a:p>
             <a:r>
-              <a:rPr lang="en-GB" dirty="0"/>
-              <a:t>Our goals in this project was  to get the most effective features and predict the laptop prices</a:t>
-            </a:r>
-            <a:endParaRPr lang="en-US" dirty="0"/>
+              <a:rPr lang="en-GB" sz="3200" dirty="0"/>
+              <a:t>Our goals in this project was to find the most effective features to predict laptop prices</a:t>
+            </a:r>
+            <a:endParaRPr lang="en-US" sz="3200" dirty="0"/>
           </a:p>
           <a:p>
             <a:endParaRPr lang="he-IL" dirty="0"/>
@@ -3983,7 +3953,7 @@
           <a:p>
             <a:r>
               <a:rPr lang="en-US" dirty="0"/>
-              <a:t>Dataset</a:t>
+              <a:t>The Dataset</a:t>
             </a:r>
             <a:endParaRPr lang="en-IL" dirty="0"/>
           </a:p>
@@ -4013,31 +3983,19 @@
         </p:spPr>
         <p:txBody>
           <a:bodyPr>
-            <a:normAutofit lnSpcReduction="10000"/>
+            <a:normAutofit/>
           </a:bodyPr>
           <a:lstStyle/>
           <a:p>
             <a:r>
               <a:rPr lang="en-US" sz="2400" dirty="0"/>
-              <a:t>Dataset load from Kaggle, the data contain 1303 records and 12 columns.</a:t>
+              <a:t>Dataset loaded from Kaggle, contain 1303 records and 12 columns.</a:t>
             </a:r>
           </a:p>
           <a:p>
             <a:r>
               <a:rPr lang="en-US" sz="2400" dirty="0"/>
-              <a:t>our target variable is laptop price in EUR</a:t>
-            </a:r>
-          </a:p>
-          <a:p>
-            <a:r>
-              <a:rPr lang="en-US" sz="2400" dirty="0"/>
-              <a:t>the variance of hardware between laptops is major.</a:t>
-            </a:r>
-          </a:p>
-          <a:p>
-            <a:r>
-              <a:rPr lang="en-US" sz="2400" dirty="0"/>
-              <a:t>  </a:t>
+              <a:t>our target variable is laptop price in EUR  </a:t>
             </a:r>
             <a:endParaRPr lang="en-IL" sz="2400" dirty="0"/>
           </a:p>
@@ -4160,8 +4118,8 @@
         </p:nvSpPr>
         <p:spPr>
           <a:xfrm>
-            <a:off x="838200" y="1825625"/>
-            <a:ext cx="10515600" cy="2081357"/>
+            <a:off x="838200" y="1594625"/>
+            <a:ext cx="10515600" cy="2312358"/>
           </a:xfrm>
         </p:spPr>
         <p:txBody>
@@ -4176,6 +4134,11 @@
             </a:r>
           </a:p>
           <a:p>
+            <a:pPr>
+              <a:lnSpc>
+                <a:spcPct val="100000"/>
+              </a:lnSpc>
+            </a:pPr>
             <a:r>
               <a:rPr lang="en-US" sz="2400" dirty="0"/>
               <a:t>Drop two columns of id and Product which contain unique value for each row</a:t>
@@ -4198,7 +4161,7 @@
             <a:pPr lvl="1"/>
             <a:r>
               <a:rPr lang="en-US" sz="2000" dirty="0"/>
-              <a:t>Use Dummies features(flat binary dataset)</a:t>
+              <a:t>Use Dummies features (flat binary dataset)</a:t>
             </a:r>
           </a:p>
           <a:p>
@@ -4261,6 +4224,14 @@
 <file path=ppt/slides/slide5.xml><?xml version="1.0" encoding="utf-8"?>
 <p:sld xmlns:a="http://schemas.openxmlformats.org/drawingml/2006/main" xmlns:r="http://schemas.openxmlformats.org/officeDocument/2006/relationships" xmlns:p="http://schemas.openxmlformats.org/presentationml/2006/main">
   <p:cSld>
+    <p:bg>
+      <p:bgPr>
+        <a:solidFill>
+          <a:schemeClr val="bg1"/>
+        </a:solidFill>
+        <a:effectLst/>
+      </p:bgPr>
+    </p:bg>
     <p:spTree>
       <p:nvGrpSpPr>
         <p:cNvPr id="1" name=""/>
@@ -4275,82 +4246,423 @@
           <a:chExt cx="0" cy="0"/>
         </a:xfrm>
       </p:grpSpPr>
-      <p:sp>
-        <p:nvSpPr>
-          <p:cNvPr id="2" name="Title 1">
-            <a:extLst>
-              <a:ext uri="{FF2B5EF4-FFF2-40B4-BE49-F238E27FC236}">
-                <a16:creationId xmlns:a16="http://schemas.microsoft.com/office/drawing/2014/main" id="{BD55925F-822D-4AB2-82F6-871FC35AE6AD}"/>
-              </a:ext>
-            </a:extLst>
-          </p:cNvPr>
-          <p:cNvSpPr>
-            <a:spLocks noGrp="1"/>
-          </p:cNvSpPr>
-          <p:nvPr>
-            <p:ph type="title"/>
-          </p:nvPr>
-        </p:nvSpPr>
-        <p:spPr/>
-        <p:txBody>
-          <a:bodyPr/>
-          <a:lstStyle/>
-          <a:p>
-            <a:r>
-              <a:rPr lang="en-US" dirty="0"/>
-              <a:t>Procedure </a:t>
-            </a:r>
-            <a:endParaRPr lang="en-IL" dirty="0"/>
-          </a:p>
-        </p:txBody>
-      </p:sp>
-      <p:sp>
-        <p:nvSpPr>
-          <p:cNvPr id="3" name="Content Placeholder 2">
-            <a:extLst>
-              <a:ext uri="{FF2B5EF4-FFF2-40B4-BE49-F238E27FC236}">
-                <a16:creationId xmlns:a16="http://schemas.microsoft.com/office/drawing/2014/main" id="{05D1C92E-5190-4546-AE53-AA6A79EB9960}"/>
-              </a:ext>
-            </a:extLst>
-          </p:cNvPr>
-          <p:cNvSpPr>
-            <a:spLocks noGrp="1"/>
-          </p:cNvSpPr>
-          <p:nvPr>
-            <p:ph idx="1"/>
+      <p:sp useBgFill="1">
+        <p:nvSpPr>
+          <p:cNvPr id="17" name="Rectangle 9">
+            <a:extLst>
+              <a:ext uri="{FF2B5EF4-FFF2-40B4-BE49-F238E27FC236}">
+                <a16:creationId xmlns:a16="http://schemas.microsoft.com/office/drawing/2014/main" id="{2550BE34-C2B8-49B8-8519-67A8CAD51AE9}"/>
+              </a:ext>
+              <a:ext uri="{C183D7F6-B498-43B3-948B-1728B52AA6E4}">
+                <adec:decorative xmlns:adec="http://schemas.microsoft.com/office/drawing/2017/decorative" val="1"/>
+              </a:ext>
+            </a:extLst>
+          </p:cNvPr>
+          <p:cNvSpPr>
+            <a:spLocks noGrp="1" noRot="1" noChangeAspect="1" noMove="1" noResize="1" noEditPoints="1" noAdjustHandles="1" noChangeArrowheads="1" noChangeShapeType="1" noTextEdit="1"/>
+          </p:cNvSpPr>
+          <p:nvPr>
+            <p:extLst>
+              <p:ext uri="{386F3935-93C4-4BCD-93E2-E3B085C9AB24}">
+                <p16:designElem xmlns:p16="http://schemas.microsoft.com/office/powerpoint/2015/main" val="1"/>
+              </p:ext>
+            </p:extLst>
           </p:nvPr>
         </p:nvSpPr>
         <p:spPr>
           <a:xfrm>
-            <a:off x="838200" y="1825625"/>
-            <a:ext cx="10515600" cy="1936478"/>
+            <a:off x="0" y="0"/>
+            <a:ext cx="12192000" cy="6858000"/>
+          </a:xfrm>
+          <a:prstGeom prst="rect">
+            <a:avLst/>
+          </a:prstGeom>
+          <a:ln>
+            <a:noFill/>
+          </a:ln>
+        </p:spPr>
+        <p:style>
+          <a:lnRef idx="2">
+            <a:schemeClr val="accent1">
+              <a:shade val="50000"/>
+            </a:schemeClr>
+          </a:lnRef>
+          <a:fillRef idx="1">
+            <a:schemeClr val="accent1"/>
+          </a:fillRef>
+          <a:effectRef idx="0">
+            <a:schemeClr val="accent1"/>
+          </a:effectRef>
+          <a:fontRef idx="minor">
+            <a:schemeClr val="lt1"/>
+          </a:fontRef>
+        </p:style>
+        <p:txBody>
+          <a:bodyPr rtlCol="0" anchor="ctr"/>
+          <a:lstStyle/>
+          <a:p>
+            <a:pPr algn="ctr"/>
+            <a:endParaRPr lang="en-US"/>
+          </a:p>
+        </p:txBody>
+      </p:sp>
+      <p:sp useBgFill="1">
+        <p:nvSpPr>
+          <p:cNvPr id="12" name="Rectangle 11">
+            <a:extLst>
+              <a:ext uri="{FF2B5EF4-FFF2-40B4-BE49-F238E27FC236}">
+                <a16:creationId xmlns:a16="http://schemas.microsoft.com/office/drawing/2014/main" id="{A7457DD9-5A45-400A-AB4B-4B4EDECA25F1}"/>
+              </a:ext>
+              <a:ext uri="{C183D7F6-B498-43B3-948B-1728B52AA6E4}">
+                <adec:decorative xmlns:adec="http://schemas.microsoft.com/office/drawing/2017/decorative" val="1"/>
+              </a:ext>
+            </a:extLst>
+          </p:cNvPr>
+          <p:cNvSpPr>
+            <a:spLocks noGrp="1" noRot="1" noChangeAspect="1" noMove="1" noResize="1" noEditPoints="1" noAdjustHandles="1" noChangeArrowheads="1" noChangeShapeType="1" noTextEdit="1"/>
+          </p:cNvSpPr>
+          <p:nvPr>
+            <p:extLst>
+              <p:ext uri="{386F3935-93C4-4BCD-93E2-E3B085C9AB24}">
+                <p16:designElem xmlns:p16="http://schemas.microsoft.com/office/powerpoint/2015/main" val="1"/>
+              </p:ext>
+            </p:extLst>
+          </p:nvPr>
+        </p:nvSpPr>
+        <p:spPr>
+          <a:xfrm>
+            <a:off x="554416" y="365125"/>
+            <a:ext cx="11167447" cy="2089317"/>
+          </a:xfrm>
+          <a:prstGeom prst="rect">
+            <a:avLst/>
+          </a:prstGeom>
+          <a:ln w="12700">
+            <a:solidFill>
+              <a:srgbClr val="DEDEDE"/>
+            </a:solidFill>
+          </a:ln>
+          <a:effectLst>
+            <a:outerShdw blurRad="50800" dist="38100" dir="2700000" algn="tl" rotWithShape="0">
+              <a:schemeClr val="bg2">
+                <a:lumMod val="85000"/>
+                <a:alpha val="50000"/>
+              </a:schemeClr>
+            </a:outerShdw>
+          </a:effectLst>
+        </p:spPr>
+        <p:style>
+          <a:lnRef idx="2">
+            <a:schemeClr val="accent1">
+              <a:shade val="50000"/>
+            </a:schemeClr>
+          </a:lnRef>
+          <a:fillRef idx="1">
+            <a:schemeClr val="accent1"/>
+          </a:fillRef>
+          <a:effectRef idx="0">
+            <a:schemeClr val="accent1"/>
+          </a:effectRef>
+          <a:fontRef idx="minor">
+            <a:schemeClr val="lt1"/>
+          </a:fontRef>
+        </p:style>
+        <p:txBody>
+          <a:bodyPr rtlCol="0" anchor="ctr"/>
+          <a:lstStyle/>
+          <a:p>
+            <a:pPr marL="0" marR="0" lvl="0" indent="0" algn="ctr" defTabSz="914400" rtl="0" eaLnBrk="1" fontAlgn="auto" latinLnBrk="0" hangingPunct="1">
+              <a:lnSpc>
+                <a:spcPct val="100000"/>
+              </a:lnSpc>
+              <a:spcBef>
+                <a:spcPts val="0"/>
+              </a:spcBef>
+              <a:spcAft>
+                <a:spcPts val="0"/>
+              </a:spcAft>
+              <a:buClrTx/>
+              <a:buSzTx/>
+              <a:buFontTx/>
+              <a:buNone/>
+              <a:tabLst/>
+              <a:defRPr/>
+            </a:pPr>
+            <a:endParaRPr kumimoji="0" lang="en-US" sz="1800" b="0" i="0" u="none" strike="noStrike" kern="1200" cap="none" spc="0" normalizeH="0" baseline="0" noProof="0">
+              <a:ln>
+                <a:noFill/>
+              </a:ln>
+              <a:solidFill>
+                <a:prstClr val="white"/>
+              </a:solidFill>
+              <a:effectLst/>
+              <a:uLnTx/>
+              <a:uFillTx/>
+              <a:latin typeface="Calibri" panose="020F0502020204030204"/>
+              <a:ea typeface="+mn-ea"/>
+              <a:cs typeface="+mn-cs"/>
+            </a:endParaRPr>
+          </a:p>
+        </p:txBody>
+      </p:sp>
+      <p:sp>
+        <p:nvSpPr>
+          <p:cNvPr id="2" name="Title 1">
+            <a:extLst>
+              <a:ext uri="{FF2B5EF4-FFF2-40B4-BE49-F238E27FC236}">
+                <a16:creationId xmlns:a16="http://schemas.microsoft.com/office/drawing/2014/main" id="{BD55925F-822D-4AB2-82F6-871FC35AE6AD}"/>
+              </a:ext>
+            </a:extLst>
+          </p:cNvPr>
+          <p:cNvSpPr>
+            <a:spLocks noGrp="1"/>
+          </p:cNvSpPr>
+          <p:nvPr>
+            <p:ph type="title"/>
+          </p:nvPr>
+        </p:nvSpPr>
+        <p:spPr>
+          <a:xfrm>
+            <a:off x="1046746" y="586822"/>
+            <a:ext cx="3560252" cy="1645920"/>
           </a:xfrm>
         </p:spPr>
         <p:txBody>
-          <a:bodyPr/>
-          <a:lstStyle/>
-          <a:p>
-            <a:r>
-              <a:rPr lang="en-US" sz="2400" dirty="0"/>
-              <a:t>Create baseline model for each type of model(DT,LR,KNN,RF)</a:t>
-            </a:r>
-            <a:r>
-              <a:rPr lang="he-IL" sz="2400" dirty="0"/>
+          <a:bodyPr>
+            <a:normAutofit/>
+          </a:bodyPr>
+          <a:lstStyle/>
+          <a:p>
+            <a:r>
+              <a:rPr lang="en-US" sz="3200"/>
+              <a:t>Procedure </a:t>
+            </a:r>
+            <a:endParaRPr lang="en-IL" sz="3200"/>
+          </a:p>
+        </p:txBody>
+      </p:sp>
+      <p:sp>
+        <p:nvSpPr>
+          <p:cNvPr id="18" name="Rectangle 13">
+            <a:extLst>
+              <a:ext uri="{FF2B5EF4-FFF2-40B4-BE49-F238E27FC236}">
+                <a16:creationId xmlns:a16="http://schemas.microsoft.com/office/drawing/2014/main" id="{441CF7D6-A660-431A-B0BB-140A0D5556B6}"/>
+              </a:ext>
+              <a:ext uri="{C183D7F6-B498-43B3-948B-1728B52AA6E4}">
+                <adec:decorative xmlns:adec="http://schemas.microsoft.com/office/drawing/2017/decorative" val="1"/>
+              </a:ext>
+            </a:extLst>
+          </p:cNvPr>
+          <p:cNvSpPr>
+            <a:spLocks noGrp="1" noRot="1" noChangeAspect="1" noMove="1" noResize="1" noEditPoints="1" noAdjustHandles="1" noChangeArrowheads="1" noChangeShapeType="1" noTextEdit="1"/>
+          </p:cNvSpPr>
+          <p:nvPr>
+            <p:extLst>
+              <p:ext uri="{386F3935-93C4-4BCD-93E2-E3B085C9AB24}">
+                <p16:designElem xmlns:p16="http://schemas.microsoft.com/office/powerpoint/2015/main" val="1"/>
+              </p:ext>
+            </p:extLst>
+          </p:nvPr>
+        </p:nvSpPr>
+        <p:spPr>
+          <a:xfrm>
+            <a:off x="490408" y="1057739"/>
+            <a:ext cx="128016" cy="704088"/>
+          </a:xfrm>
+          <a:prstGeom prst="rect">
+            <a:avLst/>
+          </a:prstGeom>
+          <a:solidFill>
+            <a:schemeClr val="accent2"/>
+          </a:solidFill>
+          <a:ln>
+            <a:noFill/>
+          </a:ln>
+        </p:spPr>
+        <p:style>
+          <a:lnRef idx="2">
+            <a:schemeClr val="accent1">
+              <a:shade val="50000"/>
+            </a:schemeClr>
+          </a:lnRef>
+          <a:fillRef idx="1">
+            <a:schemeClr val="accent1"/>
+          </a:fillRef>
+          <a:effectRef idx="0">
+            <a:schemeClr val="accent1"/>
+          </a:effectRef>
+          <a:fontRef idx="minor">
+            <a:schemeClr val="lt1"/>
+          </a:fontRef>
+        </p:style>
+        <p:txBody>
+          <a:bodyPr rtlCol="0" anchor="ctr"/>
+          <a:lstStyle/>
+          <a:p>
+            <a:pPr algn="ctr"/>
+            <a:endParaRPr lang="en-US" dirty="0">
+              <a:solidFill>
+                <a:prstClr val="white"/>
+              </a:solidFill>
+              <a:latin typeface="Calibri" panose="020F0502020204030204"/>
+            </a:endParaRPr>
+          </a:p>
+        </p:txBody>
+      </p:sp>
+      <p:sp>
+        <p:nvSpPr>
+          <p:cNvPr id="16" name="Rectangle 15">
+            <a:extLst>
+              <a:ext uri="{FF2B5EF4-FFF2-40B4-BE49-F238E27FC236}">
+                <a16:creationId xmlns:a16="http://schemas.microsoft.com/office/drawing/2014/main" id="{0570A85B-3810-4F95-97B0-CBF4CCDB381C}"/>
+              </a:ext>
+              <a:ext uri="{C183D7F6-B498-43B3-948B-1728B52AA6E4}">
+                <adec:decorative xmlns:adec="http://schemas.microsoft.com/office/drawing/2017/decorative" val="1"/>
+              </a:ext>
+            </a:extLst>
+          </p:cNvPr>
+          <p:cNvSpPr>
+            <a:spLocks noGrp="1" noRot="1" noChangeAspect="1" noMove="1" noResize="1" noEditPoints="1" noAdjustHandles="1" noChangeArrowheads="1" noChangeShapeType="1" noTextEdit="1"/>
+          </p:cNvSpPr>
+          <p:nvPr>
+            <p:extLst>
+              <p:ext uri="{386F3935-93C4-4BCD-93E2-E3B085C9AB24}">
+                <p16:designElem xmlns:p16="http://schemas.microsoft.com/office/powerpoint/2015/main" val="1"/>
+              </p:ext>
+            </p:extLst>
+          </p:nvPr>
+        </p:nvSpPr>
+        <p:spPr>
+          <a:xfrm rot="5400000">
+            <a:off x="4243541" y="1400638"/>
+            <a:ext cx="1463040" cy="18288"/>
+          </a:xfrm>
+          <a:prstGeom prst="rect">
+            <a:avLst/>
+          </a:prstGeom>
+          <a:solidFill>
+            <a:srgbClr val="D5D5D5"/>
+          </a:solidFill>
+          <a:ln w="3175">
+            <a:noFill/>
+          </a:ln>
+          <a:effectLst/>
+        </p:spPr>
+        <p:style>
+          <a:lnRef idx="2">
+            <a:schemeClr val="accent1">
+              <a:shade val="50000"/>
+            </a:schemeClr>
+          </a:lnRef>
+          <a:fillRef idx="1">
+            <a:schemeClr val="accent1"/>
+          </a:fillRef>
+          <a:effectRef idx="0">
+            <a:schemeClr val="accent1"/>
+          </a:effectRef>
+          <a:fontRef idx="minor">
+            <a:schemeClr val="lt1"/>
+          </a:fontRef>
+        </p:style>
+        <p:txBody>
+          <a:bodyPr rtlCol="0" anchor="ctr"/>
+          <a:lstStyle/>
+          <a:p>
+            <a:pPr algn="ctr"/>
+            <a:endParaRPr lang="en-US">
+              <a:solidFill>
+                <a:prstClr val="white"/>
+              </a:solidFill>
+              <a:latin typeface="Calibri" panose="020F0502020204030204"/>
+            </a:endParaRPr>
+          </a:p>
+        </p:txBody>
+      </p:sp>
+      <p:sp>
+        <p:nvSpPr>
+          <p:cNvPr id="3" name="Content Placeholder 2">
+            <a:extLst>
+              <a:ext uri="{FF2B5EF4-FFF2-40B4-BE49-F238E27FC236}">
+                <a16:creationId xmlns:a16="http://schemas.microsoft.com/office/drawing/2014/main" id="{05D1C92E-5190-4546-AE53-AA6A79EB9960}"/>
+              </a:ext>
+            </a:extLst>
+          </p:cNvPr>
+          <p:cNvSpPr>
+            <a:spLocks noGrp="1"/>
+          </p:cNvSpPr>
+          <p:nvPr>
+            <p:ph idx="1"/>
+          </p:nvPr>
+        </p:nvSpPr>
+        <p:spPr>
+          <a:xfrm>
+            <a:off x="5351164" y="586822"/>
+            <a:ext cx="6002636" cy="1645920"/>
+          </a:xfrm>
+        </p:spPr>
+        <p:txBody>
+          <a:bodyPr anchor="ctr">
+            <a:normAutofit/>
+          </a:bodyPr>
+          <a:lstStyle/>
+          <a:p>
+            <a:r>
+              <a:rPr lang="en-US" sz="1800" dirty="0"/>
+              <a:t>Create baseline model for each type of model (DT,LR,KNN,RF)</a:t>
+            </a:r>
+            <a:r>
+              <a:rPr lang="he-IL" sz="1800" dirty="0"/>
               <a:t> </a:t>
             </a:r>
             <a:r>
-              <a:rPr lang="en-US" sz="2400" dirty="0"/>
-              <a:t> and the most accurate model is RF with RMSE of X</a:t>
+              <a:rPr lang="en-US" sz="1800" dirty="0"/>
+              <a:t>and the most accurate model is RF with RMSE of X</a:t>
             </a:r>
           </a:p>
           <a:p>
             <a:pPr marL="0" indent="0">
               <a:buNone/>
             </a:pPr>
-            <a:endParaRPr lang="en-IL" dirty="0"/>
-          </a:p>
-        </p:txBody>
-      </p:sp>
+            <a:endParaRPr lang="en-IL" sz="1800" dirty="0"/>
+          </a:p>
+        </p:txBody>
+      </p:sp>
+      <p:pic>
+        <p:nvPicPr>
+          <p:cNvPr id="5" name="Picture 4" descr="Table&#10;&#10;Description automatically generated">
+            <a:extLst>
+              <a:ext uri="{FF2B5EF4-FFF2-40B4-BE49-F238E27FC236}">
+                <a16:creationId xmlns:a16="http://schemas.microsoft.com/office/drawing/2014/main" id="{6B2D4842-8AE2-0848-900C-C43ECA862766}"/>
+              </a:ext>
+            </a:extLst>
+          </p:cNvPr>
+          <p:cNvPicPr>
+            <a:picLocks noChangeAspect="1"/>
+          </p:cNvPicPr>
+          <p:nvPr/>
+        </p:nvPicPr>
+        <p:blipFill>
+          <a:blip r:embed="rId2">
+            <a:extLst>
+              <a:ext uri="{28A0092B-C50C-407E-A947-70E740481C1C}">
+                <a14:useLocalDpi xmlns:a14="http://schemas.microsoft.com/office/drawing/2010/main" val="0"/>
+              </a:ext>
+            </a:extLst>
+          </a:blip>
+          <a:stretch>
+            <a:fillRect/>
+          </a:stretch>
+        </p:blipFill>
+        <p:spPr>
+          <a:xfrm>
+            <a:off x="557784" y="3094342"/>
+            <a:ext cx="11164824" cy="2763292"/>
+          </a:xfrm>
+          <a:prstGeom prst="rect">
+            <a:avLst/>
+          </a:prstGeom>
+        </p:spPr>
+      </p:pic>
     </p:spTree>
     <p:extLst>
       <p:ext uri="{BB962C8B-B14F-4D97-AF65-F5344CB8AC3E}">
@@ -4400,33 +4712,14 @@
         <p:spPr/>
         <p:txBody>
           <a:bodyPr>
-            <a:normAutofit fontScale="90000"/>
+            <a:normAutofit/>
           </a:bodyPr>
           <a:lstStyle/>
           <a:p>
             <a:r>
-              <a:rPr lang="he-IL" dirty="0"/>
-              <a:t>במודל הראשוני ראינו שהמודל לא יכול לחזות יותר מ3500 יורו ולכן סיננו את </a:t>
-            </a:r>
-            <a:r>
-              <a:rPr lang="he-IL" dirty="0" err="1"/>
-              <a:t>הכל</a:t>
-            </a:r>
-            <a:r>
-              <a:rPr lang="he-IL" dirty="0"/>
-              <a:t> </a:t>
-            </a:r>
-            <a:r>
-              <a:rPr lang="he-IL" dirty="0" err="1"/>
-              <a:t>הלפטופים</a:t>
-            </a:r>
-            <a:r>
-              <a:rPr lang="he-IL" dirty="0"/>
-              <a:t> עם מחיר גבוהה מ3000 </a:t>
-            </a:r>
-            <a:br>
-              <a:rPr lang="he-IL" dirty="0"/>
-            </a:br>
+              <a:rPr lang="en-US" dirty="0"/>
+              <a:t>First Run</a:t>
+            </a:r>
             <a:endParaRPr lang="en-IL" dirty="0"/>
           </a:p>
         </p:txBody>
@@ -4451,6 +4744,18 @@
         <p:txBody>
           <a:bodyPr/>
           <a:lstStyle/>
+          <a:p>
+            <a:r>
+              <a:rPr lang="en-US" dirty="0"/>
+              <a:t>Our first model runs showed that laptops with price over 3K made noise to the predictions, so we cut out of the dataset the few higher than 3K in price records</a:t>
+            </a:r>
+          </a:p>
+          <a:p>
+            <a:endParaRPr lang="en-US" dirty="0"/>
+          </a:p>
+          <a:p>
+            <a:endParaRPr lang="en-US" dirty="0"/>
+          </a:p>
           <a:p>
             <a:r>
               <a:rPr lang="he-IL" dirty="0"/>
@@ -4509,81 +4814,85 @@
         <p:spPr/>
         <p:txBody>
           <a:bodyPr>
-            <a:normAutofit fontScale="90000"/>
+            <a:normAutofit/>
           </a:bodyPr>
           <a:lstStyle/>
           <a:p>
             <a:r>
+              <a:rPr lang="en-US" dirty="0"/>
+              <a:t>First Run Conclusion</a:t>
+            </a:r>
+            <a:endParaRPr lang="en-IL" dirty="0"/>
+          </a:p>
+        </p:txBody>
+      </p:sp>
+      <p:sp>
+        <p:nvSpPr>
+          <p:cNvPr id="3" name="Content Placeholder 2">
+            <a:extLst>
+              <a:ext uri="{FF2B5EF4-FFF2-40B4-BE49-F238E27FC236}">
+                <a16:creationId xmlns:a16="http://schemas.microsoft.com/office/drawing/2014/main" id="{5B9E14F8-1B9D-4972-A3C5-55240773646D}"/>
+              </a:ext>
+            </a:extLst>
+          </p:cNvPr>
+          <p:cNvSpPr>
+            <a:spLocks noGrp="1"/>
+          </p:cNvSpPr>
+          <p:nvPr>
+            <p:ph idx="1"/>
+          </p:nvPr>
+        </p:nvSpPr>
+        <p:spPr/>
+        <p:txBody>
+          <a:bodyPr/>
+          <a:lstStyle/>
+          <a:p>
+            <a:r>
+              <a:rPr lang="en-US" dirty="0"/>
+              <a:t>We saw that the most effective feature for the model was RAM memory size</a:t>
+            </a:r>
+          </a:p>
+          <a:p>
+            <a:r>
+              <a:rPr lang="en-US" dirty="0"/>
+              <a:t>We took it out of the dataset for second run, to see how it will use the other features</a:t>
+            </a:r>
+          </a:p>
+          <a:p>
+            <a:endParaRPr lang="en-US" dirty="0"/>
+          </a:p>
+          <a:p>
+            <a:r>
+              <a:rPr lang="he-IL" dirty="0" err="1"/>
+              <a:t>פיצר</a:t>
+            </a:r>
+            <a:r>
               <a:rPr lang="he-IL" dirty="0"/>
-              <a:t>בדקנו האם מודל ללא המשתנה המשפיע ביותר (</a:t>
+              <a:t> </a:t>
             </a:r>
             <a:r>
               <a:rPr lang="he-IL" dirty="0" err="1"/>
-              <a:t>זכרון</a:t>
+              <a:t>אימפורטנס</a:t>
             </a:r>
             <a:r>
               <a:rPr lang="he-IL" dirty="0"/>
-              <a:t>) משפר את הדיוק וראינו שהוא לא שיפר אלא נחשב חשוב</a:t>
+              <a:t> של </a:t>
+            </a:r>
+            <a:r>
+              <a:rPr lang="he-IL" dirty="0" err="1"/>
+              <a:t>הזכרון</a:t>
+            </a:r>
+            <a:r>
+              <a:rPr lang="he-IL" dirty="0"/>
+              <a:t> שתופס חמישים אחוז מה</a:t>
             </a:r>
             <a:r>
               <a:rPr lang="en-US" dirty="0"/>
               <a:t> </a:t>
             </a:r>
-            <a:br>
-              <a:rPr lang="en-US" dirty="0"/>
-            </a:br>
             <a:r>
               <a:rPr lang="he-IL" dirty="0"/>
-              <a:t> למודל</a:t>
-            </a:r>
-            <a:endParaRPr lang="en-IL" dirty="0"/>
-          </a:p>
-        </p:txBody>
-      </p:sp>
-      <p:sp>
-        <p:nvSpPr>
-          <p:cNvPr id="3" name="Content Placeholder 2">
-            <a:extLst>
-              <a:ext uri="{FF2B5EF4-FFF2-40B4-BE49-F238E27FC236}">
-                <a16:creationId xmlns:a16="http://schemas.microsoft.com/office/drawing/2014/main" id="{5B9E14F8-1B9D-4972-A3C5-55240773646D}"/>
-              </a:ext>
-            </a:extLst>
-          </p:cNvPr>
-          <p:cNvSpPr>
-            <a:spLocks noGrp="1"/>
-          </p:cNvSpPr>
-          <p:nvPr>
-            <p:ph idx="1"/>
-          </p:nvPr>
-        </p:nvSpPr>
-        <p:spPr/>
-        <p:txBody>
-          <a:bodyPr/>
-          <a:lstStyle/>
-          <a:p>
-            <a:r>
-              <a:rPr lang="he-IL" dirty="0" err="1"/>
-              <a:t>פיצר</a:t>
-            </a:r>
-            <a:r>
-              <a:rPr lang="he-IL" dirty="0"/>
-              <a:t> </a:t>
-            </a:r>
-            <a:r>
-              <a:rPr lang="he-IL" dirty="0" err="1"/>
-              <a:t>אימפורטנס</a:t>
-            </a:r>
-            <a:r>
-              <a:rPr lang="he-IL" dirty="0"/>
-              <a:t> של </a:t>
-            </a:r>
-            <a:r>
-              <a:rPr lang="he-IL" dirty="0" err="1"/>
-              <a:t>הזכרון</a:t>
-            </a:r>
-            <a:r>
-              <a:rPr lang="he-IL" dirty="0"/>
-              <a:t> שתופס חמישים אחוז מההשפעה</a:t>
+              <a:t>השפעה</a:t>
             </a:r>
             <a:endParaRPr lang="en-IL" dirty="0"/>
           </a:p>
@@ -4638,31 +4947,14 @@
         <p:spPr/>
         <p:txBody>
           <a:bodyPr>
-            <a:normAutofit fontScale="90000"/>
+            <a:normAutofit/>
           </a:bodyPr>
           <a:lstStyle/>
           <a:p>
             <a:r>
-              <a:rPr lang="he-IL" dirty="0"/>
-              <a:t>בבדיקת איזה </a:t>
-            </a:r>
-            <a:r>
-              <a:rPr lang="he-IL" dirty="0" err="1"/>
-              <a:t>דטה</a:t>
-            </a:r>
-            <a:r>
-              <a:rPr lang="he-IL" dirty="0"/>
-              <a:t> סט עדיף ראינו שהדיוק דומה מאוד עם יתרון קל לקטגוריאלי ולכן נעדיף פחות </a:t>
-            </a:r>
-            <a:r>
-              <a:rPr lang="he-IL" dirty="0" err="1"/>
-              <a:t>פיצרים</a:t>
-            </a:r>
-            <a:r>
-              <a:rPr lang="he-IL" dirty="0"/>
-              <a:t> ונבחר במודל הקטגוריאלי</a:t>
-            </a:r>
-            <a:endParaRPr lang="en-IL" dirty="0"/>
+              <a:rPr lang="en-IL" dirty="0"/>
+              <a:t>Using 2 types of dataset conclusions</a:t>
+            </a:r>
           </a:p>
         </p:txBody>
       </p:sp>
@@ -4687,7 +4979,21 @@
           <a:bodyPr/>
           <a:lstStyle/>
           <a:p>
-            <a:endParaRPr lang="en-IL" dirty="0"/>
+            <a:r>
+              <a:rPr lang="en-US" dirty="0"/>
+              <a:t>Both datasets came to same results more or less, with </a:t>
+            </a:r>
+            <a:r>
+              <a:rPr lang="en-US" dirty="0" err="1"/>
+              <a:t>ninor</a:t>
+            </a:r>
+            <a:r>
+              <a:rPr lang="en-US" dirty="0"/>
+              <a:t> advantage to the categorical dataset</a:t>
+            </a:r>
+          </a:p>
+          <a:p>
+            <a:endParaRPr lang="en-US" dirty="0"/>
           </a:p>
         </p:txBody>
       </p:sp>
@@ -4743,53 +5049,48 @@
           <a:lstStyle/>
           <a:p>
             <a:r>
+              <a:rPr lang="en-IL" dirty="0"/>
+              <a:t>Predictions</a:t>
+            </a:r>
+          </a:p>
+        </p:txBody>
+      </p:sp>
+      <p:sp>
+        <p:nvSpPr>
+          <p:cNvPr id="3" name="Content Placeholder 2">
+            <a:extLst>
+              <a:ext uri="{FF2B5EF4-FFF2-40B4-BE49-F238E27FC236}">
+                <a16:creationId xmlns:a16="http://schemas.microsoft.com/office/drawing/2014/main" id="{77B47E91-4632-4DCC-AF78-42B771AF37B9}"/>
+              </a:ext>
+            </a:extLst>
+          </p:cNvPr>
+          <p:cNvSpPr>
+            <a:spLocks noGrp="1"/>
+          </p:cNvSpPr>
+          <p:nvPr>
+            <p:ph idx="1"/>
+          </p:nvPr>
+        </p:nvSpPr>
+        <p:spPr/>
+        <p:txBody>
+          <a:bodyPr/>
+          <a:lstStyle/>
+          <a:p>
+            <a:r>
+              <a:rPr lang="en-US" dirty="0"/>
+              <a:t>Random Forest model made the best predictions, but, we did notice that laptops over 1500 EUR, gave worse predictions than the under 1500 EUR</a:t>
+            </a:r>
+          </a:p>
+          <a:p>
+            <a:pPr marL="0" indent="0">
+              <a:buNone/>
+            </a:pPr>
+            <a:endParaRPr lang="en-US" dirty="0"/>
+          </a:p>
+          <a:p>
+            <a:r>
               <a:rPr lang="he-IL" dirty="0"/>
-              <a:t>מודל </a:t>
-            </a:r>
-            <a:r>
-              <a:rPr lang="he-IL" dirty="0" err="1"/>
-              <a:t>הרנדום</a:t>
-            </a:r>
-            <a:r>
-              <a:rPr lang="he-IL" dirty="0"/>
-              <a:t> </a:t>
-            </a:r>
-            <a:r>
-              <a:rPr lang="he-IL" dirty="0" err="1"/>
-              <a:t>פורסט</a:t>
-            </a:r>
-            <a:r>
-              <a:rPr lang="he-IL" dirty="0"/>
-              <a:t> היה הכי מדויק וראינו שהטעות הגדולה ביות היא על מחשבים שמעל 1500 יורו</a:t>
-            </a:r>
-            <a:endParaRPr lang="en-IL" dirty="0"/>
-          </a:p>
-        </p:txBody>
-      </p:sp>
-      <p:sp>
-        <p:nvSpPr>
-          <p:cNvPr id="3" name="Content Placeholder 2">
-            <a:extLst>
-              <a:ext uri="{FF2B5EF4-FFF2-40B4-BE49-F238E27FC236}">
-                <a16:creationId xmlns:a16="http://schemas.microsoft.com/office/drawing/2014/main" id="{77B47E91-4632-4DCC-AF78-42B771AF37B9}"/>
-              </a:ext>
-            </a:extLst>
-          </p:cNvPr>
-          <p:cNvSpPr>
-            <a:spLocks noGrp="1"/>
-          </p:cNvSpPr>
-          <p:nvPr>
-            <p:ph idx="1"/>
-          </p:nvPr>
-        </p:nvSpPr>
-        <p:spPr/>
-        <p:txBody>
-          <a:bodyPr/>
-          <a:lstStyle/>
-          <a:p>
-            <a:r>
-              <a:rPr lang="he-IL" dirty="0"/>
-              <a:t>כרף של טעות מול ביצוע </a:t>
+              <a:t>גרף של טעות מול ביצוע </a:t>
             </a:r>
             <a:endParaRPr lang="en-IL" dirty="0"/>
           </a:p>
